--- a/images/ImatgesPerLaPresentacio.pptx
+++ b/images/ImatgesPerLaPresentacio.pptx
@@ -18,6 +18,8 @@
     <p:sldId id="266" r:id="rId12"/>
     <p:sldId id="267" r:id="rId13"/>
     <p:sldId id="268" r:id="rId14"/>
+    <p:sldId id="269" r:id="rId15"/>
+    <p:sldId id="270" r:id="rId16"/>
   </p:sldIdLst>
   <p:sldSz cx="12192000" cy="6858000"/>
   <p:notesSz cx="6858000" cy="9144000"/>
@@ -273,7 +275,7 @@
           <a:p>
             <a:fld id="{BA126D7C-6153-4E04-A8A0-C77EECC5EC13}" type="datetimeFigureOut">
               <a:rPr lang="ca-ES" smtClean="0"/>
-              <a:t>11/6/2024</a:t>
+              <a:t>12/6/2024</a:t>
             </a:fld>
             <a:endParaRPr lang="ca-ES"/>
           </a:p>
@@ -473,7 +475,7 @@
           <a:p>
             <a:fld id="{BA126D7C-6153-4E04-A8A0-C77EECC5EC13}" type="datetimeFigureOut">
               <a:rPr lang="ca-ES" smtClean="0"/>
-              <a:t>11/6/2024</a:t>
+              <a:t>12/6/2024</a:t>
             </a:fld>
             <a:endParaRPr lang="ca-ES"/>
           </a:p>
@@ -683,7 +685,7 @@
           <a:p>
             <a:fld id="{BA126D7C-6153-4E04-A8A0-C77EECC5EC13}" type="datetimeFigureOut">
               <a:rPr lang="ca-ES" smtClean="0"/>
-              <a:t>11/6/2024</a:t>
+              <a:t>12/6/2024</a:t>
             </a:fld>
             <a:endParaRPr lang="ca-ES"/>
           </a:p>
@@ -883,7 +885,7 @@
           <a:p>
             <a:fld id="{BA126D7C-6153-4E04-A8A0-C77EECC5EC13}" type="datetimeFigureOut">
               <a:rPr lang="ca-ES" smtClean="0"/>
-              <a:t>11/6/2024</a:t>
+              <a:t>12/6/2024</a:t>
             </a:fld>
             <a:endParaRPr lang="ca-ES"/>
           </a:p>
@@ -1159,7 +1161,7 @@
           <a:p>
             <a:fld id="{BA126D7C-6153-4E04-A8A0-C77EECC5EC13}" type="datetimeFigureOut">
               <a:rPr lang="ca-ES" smtClean="0"/>
-              <a:t>11/6/2024</a:t>
+              <a:t>12/6/2024</a:t>
             </a:fld>
             <a:endParaRPr lang="ca-ES"/>
           </a:p>
@@ -1427,7 +1429,7 @@
           <a:p>
             <a:fld id="{BA126D7C-6153-4E04-A8A0-C77EECC5EC13}" type="datetimeFigureOut">
               <a:rPr lang="ca-ES" smtClean="0"/>
-              <a:t>11/6/2024</a:t>
+              <a:t>12/6/2024</a:t>
             </a:fld>
             <a:endParaRPr lang="ca-ES"/>
           </a:p>
@@ -1842,7 +1844,7 @@
           <a:p>
             <a:fld id="{BA126D7C-6153-4E04-A8A0-C77EECC5EC13}" type="datetimeFigureOut">
               <a:rPr lang="ca-ES" smtClean="0"/>
-              <a:t>11/6/2024</a:t>
+              <a:t>12/6/2024</a:t>
             </a:fld>
             <a:endParaRPr lang="ca-ES"/>
           </a:p>
@@ -1984,7 +1986,7 @@
           <a:p>
             <a:fld id="{BA126D7C-6153-4E04-A8A0-C77EECC5EC13}" type="datetimeFigureOut">
               <a:rPr lang="ca-ES" smtClean="0"/>
-              <a:t>11/6/2024</a:t>
+              <a:t>12/6/2024</a:t>
             </a:fld>
             <a:endParaRPr lang="ca-ES"/>
           </a:p>
@@ -2097,7 +2099,7 @@
           <a:p>
             <a:fld id="{BA126D7C-6153-4E04-A8A0-C77EECC5EC13}" type="datetimeFigureOut">
               <a:rPr lang="ca-ES" smtClean="0"/>
-              <a:t>11/6/2024</a:t>
+              <a:t>12/6/2024</a:t>
             </a:fld>
             <a:endParaRPr lang="ca-ES"/>
           </a:p>
@@ -2410,7 +2412,7 @@
           <a:p>
             <a:fld id="{BA126D7C-6153-4E04-A8A0-C77EECC5EC13}" type="datetimeFigureOut">
               <a:rPr lang="ca-ES" smtClean="0"/>
-              <a:t>11/6/2024</a:t>
+              <a:t>12/6/2024</a:t>
             </a:fld>
             <a:endParaRPr lang="ca-ES"/>
           </a:p>
@@ -2699,7 +2701,7 @@
           <a:p>
             <a:fld id="{BA126D7C-6153-4E04-A8A0-C77EECC5EC13}" type="datetimeFigureOut">
               <a:rPr lang="ca-ES" smtClean="0"/>
-              <a:t>11/6/2024</a:t>
+              <a:t>12/6/2024</a:t>
             </a:fld>
             <a:endParaRPr lang="ca-ES"/>
           </a:p>
@@ -2942,7 +2944,7 @@
           <a:p>
             <a:fld id="{BA126D7C-6153-4E04-A8A0-C77EECC5EC13}" type="datetimeFigureOut">
               <a:rPr lang="ca-ES" smtClean="0"/>
-              <a:t>11/6/2024</a:t>
+              <a:t>12/6/2024</a:t>
             </a:fld>
             <a:endParaRPr lang="ca-ES"/>
           </a:p>
@@ -4065,6 +4067,353 @@
 </p:sld>
 </file>
 
+<file path=ppt/slides/slide14.xml><?xml version="1.0" encoding="utf-8"?>
+<p:sld xmlns:a="http://schemas.openxmlformats.org/drawingml/2006/main" xmlns:r="http://schemas.openxmlformats.org/officeDocument/2006/relationships" xmlns:p="http://schemas.openxmlformats.org/presentationml/2006/main">
+  <p:cSld>
+    <p:spTree>
+      <p:nvGrpSpPr>
+        <p:cNvPr id="1" name=""/>
+        <p:cNvGrpSpPr/>
+        <p:nvPr/>
+      </p:nvGrpSpPr>
+      <p:grpSpPr>
+        <a:xfrm>
+          <a:off x="0" y="0"/>
+          <a:ext cx="0" cy="0"/>
+          <a:chOff x="0" y="0"/>
+          <a:chExt cx="0" cy="0"/>
+        </a:xfrm>
+      </p:grpSpPr>
+      <p:pic>
+        <p:nvPicPr>
+          <p:cNvPr id="9" name="Imagen 8">
+            <a:extLst>
+              <a:ext uri="{FF2B5EF4-FFF2-40B4-BE49-F238E27FC236}">
+                <a16:creationId xmlns:a16="http://schemas.microsoft.com/office/drawing/2014/main" id="{ED1B1954-3604-8EB0-FC96-5EBD550C6F0A}"/>
+              </a:ext>
+            </a:extLst>
+          </p:cNvPr>
+          <p:cNvPicPr>
+            <a:picLocks noChangeAspect="1"/>
+          </p:cNvPicPr>
+          <p:nvPr/>
+        </p:nvPicPr>
+        <p:blipFill>
+          <a:blip r:embed="rId2"/>
+          <a:stretch>
+            <a:fillRect/>
+          </a:stretch>
+        </p:blipFill>
+        <p:spPr>
+          <a:xfrm>
+            <a:off x="6382540" y="934170"/>
+            <a:ext cx="4793459" cy="4459586"/>
+          </a:xfrm>
+          <a:prstGeom prst="rect">
+            <a:avLst/>
+          </a:prstGeom>
+        </p:spPr>
+      </p:pic>
+      <p:pic>
+        <p:nvPicPr>
+          <p:cNvPr id="13" name="Imagen 12">
+            <a:extLst>
+              <a:ext uri="{FF2B5EF4-FFF2-40B4-BE49-F238E27FC236}">
+                <a16:creationId xmlns:a16="http://schemas.microsoft.com/office/drawing/2014/main" id="{A88AD527-70E3-B2B3-9AB7-F6CC08217C12}"/>
+              </a:ext>
+            </a:extLst>
+          </p:cNvPr>
+          <p:cNvPicPr>
+            <a:picLocks noChangeAspect="1"/>
+          </p:cNvPicPr>
+          <p:nvPr/>
+        </p:nvPicPr>
+        <p:blipFill>
+          <a:blip r:embed="rId3"/>
+          <a:stretch>
+            <a:fillRect/>
+          </a:stretch>
+        </p:blipFill>
+        <p:spPr>
+          <a:xfrm>
+            <a:off x="437360" y="934170"/>
+            <a:ext cx="5658640" cy="4658375"/>
+          </a:xfrm>
+          <a:prstGeom prst="rect">
+            <a:avLst/>
+          </a:prstGeom>
+        </p:spPr>
+      </p:pic>
+    </p:spTree>
+    <p:extLst>
+      <p:ext uri="{BB962C8B-B14F-4D97-AF65-F5344CB8AC3E}">
+        <p14:creationId xmlns:p14="http://schemas.microsoft.com/office/powerpoint/2010/main" val="1388604961"/>
+      </p:ext>
+    </p:extLst>
+  </p:cSld>
+  <p:clrMapOvr>
+    <a:masterClrMapping/>
+  </p:clrMapOvr>
+</p:sld>
+</file>
+
+<file path=ppt/slides/slide15.xml><?xml version="1.0" encoding="utf-8"?>
+<p:sld xmlns:a="http://schemas.openxmlformats.org/drawingml/2006/main" xmlns:r="http://schemas.openxmlformats.org/officeDocument/2006/relationships" xmlns:p="http://schemas.openxmlformats.org/presentationml/2006/main">
+  <p:cSld>
+    <p:spTree>
+      <p:nvGrpSpPr>
+        <p:cNvPr id="1" name=""/>
+        <p:cNvGrpSpPr/>
+        <p:nvPr/>
+      </p:nvGrpSpPr>
+      <p:grpSpPr>
+        <a:xfrm>
+          <a:off x="0" y="0"/>
+          <a:ext cx="0" cy="0"/>
+          <a:chOff x="0" y="0"/>
+          <a:chExt cx="0" cy="0"/>
+        </a:xfrm>
+      </p:grpSpPr>
+      <p:pic>
+        <p:nvPicPr>
+          <p:cNvPr id="5" name="Imagen 4">
+            <a:extLst>
+              <a:ext uri="{FF2B5EF4-FFF2-40B4-BE49-F238E27FC236}">
+                <a16:creationId xmlns:a16="http://schemas.microsoft.com/office/drawing/2014/main" id="{49293F66-3E93-62AB-05A5-6D94367D6C15}"/>
+              </a:ext>
+            </a:extLst>
+          </p:cNvPr>
+          <p:cNvPicPr>
+            <a:picLocks noChangeAspect="1"/>
+          </p:cNvPicPr>
+          <p:nvPr/>
+        </p:nvPicPr>
+        <p:blipFill>
+          <a:blip r:embed="rId2"/>
+          <a:stretch>
+            <a:fillRect/>
+          </a:stretch>
+        </p:blipFill>
+        <p:spPr>
+          <a:xfrm>
+            <a:off x="894735" y="1224014"/>
+            <a:ext cx="2067213" cy="1991003"/>
+          </a:xfrm>
+          <a:prstGeom prst="rect">
+            <a:avLst/>
+          </a:prstGeom>
+        </p:spPr>
+      </p:pic>
+      <p:pic>
+        <p:nvPicPr>
+          <p:cNvPr id="7" name="Imagen 6">
+            <a:extLst>
+              <a:ext uri="{FF2B5EF4-FFF2-40B4-BE49-F238E27FC236}">
+                <a16:creationId xmlns:a16="http://schemas.microsoft.com/office/drawing/2014/main" id="{26F3AC2F-A252-DBEC-78F9-9FBEF6A2600C}"/>
+              </a:ext>
+            </a:extLst>
+          </p:cNvPr>
+          <p:cNvPicPr>
+            <a:picLocks noChangeAspect="1"/>
+          </p:cNvPicPr>
+          <p:nvPr/>
+        </p:nvPicPr>
+        <p:blipFill>
+          <a:blip r:embed="rId3"/>
+          <a:stretch>
+            <a:fillRect/>
+          </a:stretch>
+        </p:blipFill>
+        <p:spPr>
+          <a:xfrm>
+            <a:off x="894735" y="3429000"/>
+            <a:ext cx="2213193" cy="2560323"/>
+          </a:xfrm>
+          <a:prstGeom prst="rect">
+            <a:avLst/>
+          </a:prstGeom>
+        </p:spPr>
+      </p:pic>
+      <p:pic>
+        <p:nvPicPr>
+          <p:cNvPr id="9" name="Imagen 8">
+            <a:extLst>
+              <a:ext uri="{FF2B5EF4-FFF2-40B4-BE49-F238E27FC236}">
+                <a16:creationId xmlns:a16="http://schemas.microsoft.com/office/drawing/2014/main" id="{60F2FB1A-91ED-3367-D066-24034070F248}"/>
+              </a:ext>
+            </a:extLst>
+          </p:cNvPr>
+          <p:cNvPicPr>
+            <a:picLocks noChangeAspect="1"/>
+          </p:cNvPicPr>
+          <p:nvPr/>
+        </p:nvPicPr>
+        <p:blipFill>
+          <a:blip r:embed="rId4"/>
+          <a:stretch>
+            <a:fillRect/>
+          </a:stretch>
+        </p:blipFill>
+        <p:spPr>
+          <a:xfrm>
+            <a:off x="3673862" y="1402292"/>
+            <a:ext cx="3808549" cy="3467947"/>
+          </a:xfrm>
+          <a:prstGeom prst="rect">
+            <a:avLst/>
+          </a:prstGeom>
+        </p:spPr>
+      </p:pic>
+      <p:pic>
+        <p:nvPicPr>
+          <p:cNvPr id="11" name="Imagen 10">
+            <a:extLst>
+              <a:ext uri="{FF2B5EF4-FFF2-40B4-BE49-F238E27FC236}">
+                <a16:creationId xmlns:a16="http://schemas.microsoft.com/office/drawing/2014/main" id="{DD281ACC-6EAD-7DEC-DCEF-7A4D1EBB2FDE}"/>
+              </a:ext>
+            </a:extLst>
+          </p:cNvPr>
+          <p:cNvPicPr>
+            <a:picLocks noChangeAspect="1"/>
+          </p:cNvPicPr>
+          <p:nvPr/>
+        </p:nvPicPr>
+        <p:blipFill>
+          <a:blip r:embed="rId5"/>
+          <a:stretch>
+            <a:fillRect/>
+          </a:stretch>
+        </p:blipFill>
+        <p:spPr>
+          <a:xfrm>
+            <a:off x="8093931" y="1557526"/>
+            <a:ext cx="3808549" cy="3408651"/>
+          </a:xfrm>
+          <a:prstGeom prst="rect">
+            <a:avLst/>
+          </a:prstGeom>
+        </p:spPr>
+      </p:pic>
+      <p:sp>
+        <p:nvSpPr>
+          <p:cNvPr id="12" name="CuadroTexto 11">
+            <a:extLst>
+              <a:ext uri="{FF2B5EF4-FFF2-40B4-BE49-F238E27FC236}">
+                <a16:creationId xmlns:a16="http://schemas.microsoft.com/office/drawing/2014/main" id="{A2D6E210-C29B-25B3-2915-E3765651007B}"/>
+              </a:ext>
+            </a:extLst>
+          </p:cNvPr>
+          <p:cNvSpPr txBox="1"/>
+          <p:nvPr/>
+        </p:nvSpPr>
+        <p:spPr>
+          <a:xfrm>
+            <a:off x="894735" y="491612"/>
+            <a:ext cx="2052165" cy="400110"/>
+          </a:xfrm>
+          <a:prstGeom prst="rect">
+            <a:avLst/>
+          </a:prstGeom>
+          <a:noFill/>
+        </p:spPr>
+        <p:txBody>
+          <a:bodyPr wrap="none" rtlCol="0">
+            <a:spAutoFit/>
+          </a:bodyPr>
+          <a:lstStyle/>
+          <a:p>
+            <a:r>
+              <a:rPr lang="es-ES" sz="2000" b="1"/>
+              <a:t>Class Comparison</a:t>
+            </a:r>
+          </a:p>
+        </p:txBody>
+      </p:sp>
+      <p:sp>
+        <p:nvSpPr>
+          <p:cNvPr id="13" name="CuadroTexto 12">
+            <a:extLst>
+              <a:ext uri="{FF2B5EF4-FFF2-40B4-BE49-F238E27FC236}">
+                <a16:creationId xmlns:a16="http://schemas.microsoft.com/office/drawing/2014/main" id="{30E9EC16-56FA-398E-B8EC-E9A5DAD611DD}"/>
+              </a:ext>
+            </a:extLst>
+          </p:cNvPr>
+          <p:cNvSpPr txBox="1"/>
+          <p:nvPr/>
+        </p:nvSpPr>
+        <p:spPr>
+          <a:xfrm>
+            <a:off x="4582972" y="526022"/>
+            <a:ext cx="1806841" cy="400110"/>
+          </a:xfrm>
+          <a:prstGeom prst="rect">
+            <a:avLst/>
+          </a:prstGeom>
+          <a:noFill/>
+        </p:spPr>
+        <p:txBody>
+          <a:bodyPr wrap="none" rtlCol="0">
+            <a:spAutoFit/>
+          </a:bodyPr>
+          <a:lstStyle/>
+          <a:p>
+            <a:pPr algn="r"/>
+            <a:r>
+              <a:rPr lang="es-ES" sz="2000" b="1"/>
+              <a:t>Class Discovery</a:t>
+            </a:r>
+          </a:p>
+        </p:txBody>
+      </p:sp>
+      <p:sp>
+        <p:nvSpPr>
+          <p:cNvPr id="14" name="CuadroTexto 13">
+            <a:extLst>
+              <a:ext uri="{FF2B5EF4-FFF2-40B4-BE49-F238E27FC236}">
+                <a16:creationId xmlns:a16="http://schemas.microsoft.com/office/drawing/2014/main" id="{FCC7C5C2-6970-F205-398C-BE9425E796D1}"/>
+              </a:ext>
+            </a:extLst>
+          </p:cNvPr>
+          <p:cNvSpPr txBox="1"/>
+          <p:nvPr/>
+        </p:nvSpPr>
+        <p:spPr>
+          <a:xfrm>
+            <a:off x="8269270" y="599766"/>
+            <a:ext cx="1861728" cy="400110"/>
+          </a:xfrm>
+          <a:prstGeom prst="rect">
+            <a:avLst/>
+          </a:prstGeom>
+          <a:noFill/>
+        </p:spPr>
+        <p:txBody>
+          <a:bodyPr wrap="none" rtlCol="0">
+            <a:spAutoFit/>
+          </a:bodyPr>
+          <a:lstStyle/>
+          <a:p>
+            <a:pPr algn="r"/>
+            <a:r>
+              <a:rPr lang="es-ES" sz="2000" b="1"/>
+              <a:t>Class Prediction</a:t>
+            </a:r>
+          </a:p>
+        </p:txBody>
+      </p:sp>
+    </p:spTree>
+    <p:extLst>
+      <p:ext uri="{BB962C8B-B14F-4D97-AF65-F5344CB8AC3E}">
+        <p14:creationId xmlns:p14="http://schemas.microsoft.com/office/powerpoint/2010/main" val="511591638"/>
+      </p:ext>
+    </p:extLst>
+  </p:cSld>
+  <p:clrMapOvr>
+    <a:masterClrMapping/>
+  </p:clrMapOvr>
+</p:sld>
+</file>
+
 <file path=ppt/slides/slide2.xml><?xml version="1.0" encoding="utf-8"?>
 <p:sld xmlns:a="http://schemas.openxmlformats.org/drawingml/2006/main" xmlns:r="http://schemas.openxmlformats.org/officeDocument/2006/relationships" xmlns:p="http://schemas.openxmlformats.org/presentationml/2006/main">
   <p:cSld>
